--- a/Bikes_Template.pptx
+++ b/Bikes_Template.pptx
@@ -526,7 +526,7 @@
           <a:p>
             <a:fld id="{E9F9C37B-1D36-470B-8223-D6C91242EC14}" type="datetimeFigureOut">
               <a:rPr lang="en-US" dirty="0"/>
-              <a:t>6/4/20</a:t>
+              <a:t>6/5/20</a:t>
             </a:fld>
             <a:endParaRPr lang="en-US" dirty="0"/>
           </a:p>
@@ -701,7 +701,7 @@
           <a:p>
             <a:fld id="{67C6F52A-A82B-47A2-A83A-8C4C91F2D59F}" type="datetimeFigureOut">
               <a:rPr lang="en-US" dirty="0"/>
-              <a:t>6/4/20</a:t>
+              <a:t>6/5/20</a:t>
             </a:fld>
             <a:endParaRPr lang="en-US" dirty="0"/>
           </a:p>
@@ -799,7 +799,7 @@
             <a:noAutofit/>
           </a:bodyPr>
           <a:lstStyle>
-            <a:lvl1pPr>
+            <a:lvl1pPr algn="l">
               <a:defRPr kumimoji="0" lang="en-US" sz="3200" b="0" i="0" u="none" strike="noStrike" cap="none" spc="0" normalizeH="0" dirty="0">
                 <a:ln>
                   <a:noFill/>
@@ -2197,6 +2197,27 @@
   <p:clrMapOvr>
     <a:masterClrMapping/>
   </p:clrMapOvr>
+  <p:extLst>
+    <p:ext uri="{DCECCB84-F9BA-43D5-87BE-67443E8EF086}">
+      <p15:sldGuideLst xmlns:p15="http://schemas.microsoft.com/office/powerpoint/2012/main">
+        <p15:guide id="1" orient="horz" pos="731" userDrawn="1">
+          <p15:clr>
+            <a:srgbClr val="FBAE40"/>
+          </p15:clr>
+        </p15:guide>
+        <p15:guide id="2" pos="189" userDrawn="1">
+          <p15:clr>
+            <a:srgbClr val="FBAE40"/>
+          </p15:clr>
+        </p15:guide>
+        <p15:guide id="3" pos="6584" userDrawn="1">
+          <p15:clr>
+            <a:srgbClr val="FBAE40"/>
+          </p15:clr>
+        </p15:guide>
+      </p15:sldGuideLst>
+    </p:ext>
+  </p:extLst>
 </p:sldLayout>
 </file>
 
@@ -3647,6 +3668,14 @@
 <file path=ppt/slideLayouts/slideLayout4.xml><?xml version="1.0" encoding="utf-8"?>
 <p:sldLayout xmlns:a="http://schemas.openxmlformats.org/drawingml/2006/main" xmlns:r="http://schemas.openxmlformats.org/officeDocument/2006/relationships" xmlns:p="http://schemas.openxmlformats.org/presentationml/2006/main" preserve="1" userDrawn="1">
   <p:cSld name="Two Content">
+    <p:bg>
+      <p:bgPr>
+        <a:solidFill>
+          <a:srgbClr val="FFFFFF"/>
+        </a:solidFill>
+        <a:effectLst/>
+      </p:bgPr>
+    </p:bg>
     <p:spTree>
       <p:nvGrpSpPr>
         <p:cNvPr id="1" name=""/>
@@ -3823,7 +3852,11 @@
             </a:pathLst>
           </a:custGeom>
           <a:solidFill>
-            <a:srgbClr val="FFFFFF"/>
+            <a:schemeClr val="tx2">
+              <a:lumMod val="20000"/>
+              <a:lumOff val="80000"/>
+              <a:alpha val="26000"/>
+            </a:schemeClr>
           </a:solidFill>
           <a:ln w="63500" cap="flat">
             <a:noFill/>
@@ -4035,7 +4068,11 @@
             </a:pathLst>
           </a:custGeom>
           <a:solidFill>
-            <a:srgbClr val="FFFFFF"/>
+            <a:schemeClr val="tx2">
+              <a:lumMod val="20000"/>
+              <a:lumOff val="80000"/>
+              <a:alpha val="26000"/>
+            </a:schemeClr>
           </a:solidFill>
           <a:ln w="63500" cap="flat">
             <a:noFill/>
@@ -4337,8 +4374,8 @@
         </p:nvSpPr>
         <p:spPr>
           <a:xfrm>
-            <a:off x="431800" y="633222"/>
-            <a:ext cx="3932237" cy="1401318"/>
+            <a:off x="311612" y="236999"/>
+            <a:ext cx="11416043" cy="923464"/>
           </a:xfrm>
           <a:noFill/>
           <a:ln w="31750" cap="sq">
@@ -4347,11 +4384,11 @@
           </a:ln>
         </p:spPr>
         <p:txBody>
-          <a:bodyPr vert="horz" lIns="0" tIns="0" rIns="0" bIns="0" rtlCol="0" anchor="ctr">
+          <a:bodyPr vert="horz" lIns="0" tIns="0" rIns="0" bIns="0" rtlCol="0" anchor="t">
             <a:noAutofit/>
           </a:bodyPr>
           <a:lstStyle>
-            <a:lvl1pPr>
+            <a:lvl1pPr algn="l">
               <a:defRPr kumimoji="0" lang="en-US" sz="3200" b="0" i="0" u="none" strike="noStrike" cap="none" spc="0" normalizeH="0" dirty="0">
                 <a:ln>
                   <a:noFill/>
@@ -4372,7 +4409,7 @@
           <a:p>
             <a:pPr marL="0" lvl="0" algn="l"/>
             <a:r>
-              <a:rPr lang="en-GB"/>
+              <a:rPr lang="en-GB" dirty="0"/>
               <a:t>Click to edit Master title style</a:t>
             </a:r>
             <a:endParaRPr lang="en-US" dirty="0"/>
@@ -4397,13 +4434,29 @@
         </p:nvSpPr>
         <p:spPr>
           <a:xfrm>
-            <a:off x="431801" y="2138336"/>
-            <a:ext cx="3932237" cy="4131540"/>
+            <a:off x="316051" y="1160462"/>
+            <a:ext cx="4603190" cy="5109414"/>
           </a:xfrm>
         </p:spPr>
         <p:txBody>
           <a:bodyPr/>
-          <a:lstStyle/>
+          <a:lstStyle>
+            <a:lvl1pPr algn="just">
+              <a:defRPr/>
+            </a:lvl1pPr>
+            <a:lvl2pPr algn="just">
+              <a:defRPr/>
+            </a:lvl2pPr>
+            <a:lvl3pPr algn="just">
+              <a:defRPr/>
+            </a:lvl3pPr>
+            <a:lvl4pPr algn="just">
+              <a:defRPr/>
+            </a:lvl4pPr>
+            <a:lvl5pPr algn="just">
+              <a:defRPr/>
+            </a:lvl5pPr>
+          </a:lstStyle>
           <a:p>
             <a:pPr lvl="0"/>
             <a:r>
@@ -4460,71 +4513,8 @@
         </p:nvSpPr>
         <p:spPr>
           <a:xfrm>
-            <a:off x="4621427" y="633532"/>
-            <a:ext cx="7019096" cy="3526988"/>
-          </a:xfrm>
-        </p:spPr>
-        <p:txBody>
-          <a:bodyPr/>
-          <a:lstStyle/>
-          <a:p>
-            <a:pPr lvl="0"/>
-            <a:r>
-              <a:rPr lang="en-GB" dirty="0"/>
-              <a:t>Click to edit Master text styles</a:t>
-            </a:r>
-          </a:p>
-          <a:p>
-            <a:pPr lvl="1"/>
-            <a:r>
-              <a:rPr lang="en-GB" dirty="0"/>
-              <a:t>Second level</a:t>
-            </a:r>
-          </a:p>
-          <a:p>
-            <a:pPr lvl="2"/>
-            <a:r>
-              <a:rPr lang="en-GB" dirty="0"/>
-              <a:t>Third level</a:t>
-            </a:r>
-          </a:p>
-          <a:p>
-            <a:pPr lvl="3"/>
-            <a:r>
-              <a:rPr lang="en-GB" dirty="0"/>
-              <a:t>Fourth level</a:t>
-            </a:r>
-          </a:p>
-          <a:p>
-            <a:pPr lvl="4"/>
-            <a:r>
-              <a:rPr lang="en-GB" dirty="0"/>
-              <a:t>Fifth level</a:t>
-            </a:r>
-            <a:endParaRPr lang="en-US" dirty="0"/>
-          </a:p>
-        </p:txBody>
-      </p:sp>
-      <p:sp>
-        <p:nvSpPr>
-          <p:cNvPr id="21" name="Content Placeholder 2">
-            <a:extLst>
-              <a:ext uri="{FF2B5EF4-FFF2-40B4-BE49-F238E27FC236}">
-                <a16:creationId xmlns:a16="http://schemas.microsoft.com/office/drawing/2014/main" id="{80AC71AE-403C-3C4F-9CAA-0F37EB577C82}"/>
-              </a:ext>
-            </a:extLst>
-          </p:cNvPr>
-          <p:cNvSpPr>
-            <a:spLocks noGrp="1"/>
-          </p:cNvSpPr>
-          <p:nvPr>
-            <p:ph sz="half" idx="10"/>
-          </p:nvPr>
-        </p:nvSpPr>
-        <p:spPr>
-          <a:xfrm>
-            <a:off x="4621427" y="4325276"/>
-            <a:ext cx="7019096" cy="1951967"/>
+            <a:off x="4919241" y="1160462"/>
+            <a:ext cx="6837030" cy="5109413"/>
           </a:xfrm>
         </p:spPr>
         <p:txBody>
@@ -4578,6 +4568,22 @@
   <p:clrMapOvr>
     <a:masterClrMapping/>
   </p:clrMapOvr>
+  <p:extLst>
+    <p:ext uri="{DCECCB84-F9BA-43D5-87BE-67443E8EF086}">
+      <p15:sldGuideLst xmlns:p15="http://schemas.microsoft.com/office/powerpoint/2012/main">
+        <p15:guide id="1" orient="horz" pos="731" userDrawn="1">
+          <p15:clr>
+            <a:srgbClr val="FBAE40"/>
+          </p15:clr>
+        </p15:guide>
+        <p15:guide id="2" pos="189" userDrawn="1">
+          <p15:clr>
+            <a:srgbClr val="FBAE40"/>
+          </p15:clr>
+        </p15:guide>
+      </p15:sldGuideLst>
+    </p:ext>
+  </p:extLst>
 </p:sldLayout>
 </file>
 
@@ -4879,7 +4885,7 @@
           <a:p>
             <a:fld id="{4F7D4976-E339-4826-83B7-FBD03F55ECF8}" type="datetimeFigureOut">
               <a:rPr lang="en-US" dirty="0"/>
-              <a:t>6/4/20</a:t>
+              <a:t>6/5/20</a:t>
             </a:fld>
             <a:endParaRPr lang="en-US" dirty="0"/>
           </a:p>
@@ -5015,7 +5021,7 @@
           <a:p>
             <a:fld id="{E1037C31-9E7A-4F99-8774-A0E530DE1A42}" type="datetimeFigureOut">
               <a:rPr lang="en-US" dirty="0"/>
-              <a:t>6/4/20</a:t>
+              <a:t>6/5/20</a:t>
             </a:fld>
             <a:endParaRPr lang="en-US" dirty="0"/>
           </a:p>
@@ -5105,7 +5111,7 @@
           <a:p>
             <a:fld id="{C278504F-A551-4DE0-9316-4DCD1D8CC752}" type="datetimeFigureOut">
               <a:rPr lang="en-US" dirty="0"/>
-              <a:t>6/4/20</a:t>
+              <a:t>6/5/20</a:t>
             </a:fld>
             <a:endParaRPr lang="en-US" dirty="0"/>
           </a:p>
@@ -5457,7 +5463,7 @@
           <a:p>
             <a:fld id="{D1BE4249-C0D0-4B06-8692-E8BB871AF643}" type="datetimeFigureOut">
               <a:rPr lang="en-US" dirty="0"/>
-              <a:t>6/4/20</a:t>
+              <a:t>6/5/20</a:t>
             </a:fld>
             <a:endParaRPr lang="en-US" dirty="0"/>
           </a:p>
@@ -5809,7 +5815,7 @@
           <a:p>
             <a:fld id="{042B0DB6-F5C7-45FB-8CF3-31B45F9C2DAC}" type="datetimeFigureOut">
               <a:rPr lang="en-US" dirty="0"/>
-              <a:t>6/4/20</a:t>
+              <a:t>6/5/20</a:t>
             </a:fld>
             <a:endParaRPr lang="en-US" dirty="0"/>
           </a:p>
@@ -6046,7 +6052,7 @@
           <a:p>
             <a:fld id="{1160EA64-D806-43AC-9DF2-F8C432F32B4C}" type="datetimeFigureOut">
               <a:rPr lang="en-US" dirty="0"/>
-              <a:t>6/4/20</a:t>
+              <a:t>6/5/20</a:t>
             </a:fld>
             <a:endParaRPr lang="en-US" dirty="0"/>
           </a:p>
@@ -6516,7 +6522,7 @@
           <a:bodyPr/>
           <a:lstStyle/>
           <a:p>
-            <a:endParaRPr lang="en-AU"/>
+            <a:endParaRPr lang="en-AU" dirty="0"/>
           </a:p>
         </p:txBody>
       </p:sp>
@@ -6536,12 +6542,17 @@
             <p:ph type="subTitle" idx="1"/>
           </p:nvPr>
         </p:nvSpPr>
-        <p:spPr/>
+        <p:spPr>
+          <a:xfrm>
+            <a:off x="646112" y="5440101"/>
+            <a:ext cx="4436509" cy="787371"/>
+          </a:xfrm>
+        </p:spPr>
         <p:txBody>
           <a:bodyPr/>
           <a:lstStyle/>
           <a:p>
-            <a:endParaRPr lang="en-AU"/>
+            <a:endParaRPr lang="en-AU" dirty="0"/>
           </a:p>
         </p:txBody>
       </p:sp>
